--- a/Pics.pptx
+++ b/Pics.pptx
@@ -6,10 +6,11 @@
   </p:sldMasterIdLst>
   <p:sldIdLst>
     <p:sldId id="257" r:id="rId2"/>
-    <p:sldId id="260" r:id="rId3"/>
-    <p:sldId id="261" r:id="rId4"/>
-    <p:sldId id="262" r:id="rId5"/>
-    <p:sldId id="259" r:id="rId6"/>
+    <p:sldId id="263" r:id="rId3"/>
+    <p:sldId id="260" r:id="rId4"/>
+    <p:sldId id="261" r:id="rId5"/>
+    <p:sldId id="262" r:id="rId6"/>
+    <p:sldId id="259" r:id="rId7"/>
   </p:sldIdLst>
   <p:sldSz cx="12192000" cy="6858000"/>
   <p:notesSz cx="6858000" cy="9144000"/>
@@ -263,7 +264,7 @@
           <a:p>
             <a:fld id="{0ABD715F-4704-4CD9-98EF-A8D64C11616A}" type="datetimeFigureOut">
               <a:rPr lang="en-US" smtClean="0"/>
-              <a:t>8/1/2021</a:t>
+              <a:t>8/11/2021</a:t>
             </a:fld>
             <a:endParaRPr lang="en-US"/>
           </a:p>
@@ -461,7 +462,7 @@
           <a:p>
             <a:fld id="{0ABD715F-4704-4CD9-98EF-A8D64C11616A}" type="datetimeFigureOut">
               <a:rPr lang="en-US" smtClean="0"/>
-              <a:t>8/1/2021</a:t>
+              <a:t>8/11/2021</a:t>
             </a:fld>
             <a:endParaRPr lang="en-US"/>
           </a:p>
@@ -669,7 +670,7 @@
           <a:p>
             <a:fld id="{0ABD715F-4704-4CD9-98EF-A8D64C11616A}" type="datetimeFigureOut">
               <a:rPr lang="en-US" smtClean="0"/>
-              <a:t>8/1/2021</a:t>
+              <a:t>8/11/2021</a:t>
             </a:fld>
             <a:endParaRPr lang="en-US"/>
           </a:p>
@@ -867,7 +868,7 @@
           <a:p>
             <a:fld id="{0ABD715F-4704-4CD9-98EF-A8D64C11616A}" type="datetimeFigureOut">
               <a:rPr lang="en-US" smtClean="0"/>
-              <a:t>8/1/2021</a:t>
+              <a:t>8/11/2021</a:t>
             </a:fld>
             <a:endParaRPr lang="en-US"/>
           </a:p>
@@ -1142,7 +1143,7 @@
           <a:p>
             <a:fld id="{0ABD715F-4704-4CD9-98EF-A8D64C11616A}" type="datetimeFigureOut">
               <a:rPr lang="en-US" smtClean="0"/>
-              <a:t>8/1/2021</a:t>
+              <a:t>8/11/2021</a:t>
             </a:fld>
             <a:endParaRPr lang="en-US"/>
           </a:p>
@@ -1407,7 +1408,7 @@
           <a:p>
             <a:fld id="{0ABD715F-4704-4CD9-98EF-A8D64C11616A}" type="datetimeFigureOut">
               <a:rPr lang="en-US" smtClean="0"/>
-              <a:t>8/1/2021</a:t>
+              <a:t>8/11/2021</a:t>
             </a:fld>
             <a:endParaRPr lang="en-US"/>
           </a:p>
@@ -1819,7 +1820,7 @@
           <a:p>
             <a:fld id="{0ABD715F-4704-4CD9-98EF-A8D64C11616A}" type="datetimeFigureOut">
               <a:rPr lang="en-US" smtClean="0"/>
-              <a:t>8/1/2021</a:t>
+              <a:t>8/11/2021</a:t>
             </a:fld>
             <a:endParaRPr lang="en-US"/>
           </a:p>
@@ -1960,7 +1961,7 @@
           <a:p>
             <a:fld id="{0ABD715F-4704-4CD9-98EF-A8D64C11616A}" type="datetimeFigureOut">
               <a:rPr lang="en-US" smtClean="0"/>
-              <a:t>8/1/2021</a:t>
+              <a:t>8/11/2021</a:t>
             </a:fld>
             <a:endParaRPr lang="en-US"/>
           </a:p>
@@ -2073,7 +2074,7 @@
           <a:p>
             <a:fld id="{0ABD715F-4704-4CD9-98EF-A8D64C11616A}" type="datetimeFigureOut">
               <a:rPr lang="en-US" smtClean="0"/>
-              <a:t>8/1/2021</a:t>
+              <a:t>8/11/2021</a:t>
             </a:fld>
             <a:endParaRPr lang="en-US"/>
           </a:p>
@@ -2384,7 +2385,7 @@
           <a:p>
             <a:fld id="{0ABD715F-4704-4CD9-98EF-A8D64C11616A}" type="datetimeFigureOut">
               <a:rPr lang="en-US" smtClean="0"/>
-              <a:t>8/1/2021</a:t>
+              <a:t>8/11/2021</a:t>
             </a:fld>
             <a:endParaRPr lang="en-US"/>
           </a:p>
@@ -2672,7 +2673,7 @@
           <a:p>
             <a:fld id="{0ABD715F-4704-4CD9-98EF-A8D64C11616A}" type="datetimeFigureOut">
               <a:rPr lang="en-US" smtClean="0"/>
-              <a:t>8/1/2021</a:t>
+              <a:t>8/11/2021</a:t>
             </a:fld>
             <a:endParaRPr lang="en-US"/>
           </a:p>
@@ -2913,7 +2914,7 @@
           <a:p>
             <a:fld id="{0ABD715F-4704-4CD9-98EF-A8D64C11616A}" type="datetimeFigureOut">
               <a:rPr lang="en-US" smtClean="0"/>
-              <a:t>8/1/2021</a:t>
+              <a:t>8/11/2021</a:t>
             </a:fld>
             <a:endParaRPr lang="en-US"/>
           </a:p>
@@ -3906,6 +3907,306 @@
           <a:chExt cx="0" cy="0"/>
         </a:xfrm>
       </p:grpSpPr>
+      <p:pic>
+        <p:nvPicPr>
+          <p:cNvPr id="5" name="Picture 4">
+            <a:extLst>
+              <a:ext uri="{FF2B5EF4-FFF2-40B4-BE49-F238E27FC236}">
+                <a16:creationId xmlns:a16="http://schemas.microsoft.com/office/drawing/2014/main" id="{2B693663-596E-4B80-B089-879CC8AE02A4}"/>
+              </a:ext>
+            </a:extLst>
+          </p:cNvPr>
+          <p:cNvPicPr>
+            <a:picLocks noChangeAspect="1"/>
+          </p:cNvPicPr>
+          <p:nvPr/>
+        </p:nvPicPr>
+        <p:blipFill>
+          <a:blip r:embed="rId2"/>
+          <a:stretch>
+            <a:fillRect/>
+          </a:stretch>
+        </p:blipFill>
+        <p:spPr>
+          <a:xfrm>
+            <a:off x="3432152" y="493775"/>
+            <a:ext cx="1550307" cy="1956562"/>
+          </a:xfrm>
+          <a:prstGeom prst="rect">
+            <a:avLst/>
+          </a:prstGeom>
+        </p:spPr>
+      </p:pic>
+      <p:pic>
+        <p:nvPicPr>
+          <p:cNvPr id="7" name="Picture 6">
+            <a:extLst>
+              <a:ext uri="{FF2B5EF4-FFF2-40B4-BE49-F238E27FC236}">
+                <a16:creationId xmlns:a16="http://schemas.microsoft.com/office/drawing/2014/main" id="{6713319A-EACF-410B-897F-8246ACFB9F0E}"/>
+              </a:ext>
+            </a:extLst>
+          </p:cNvPr>
+          <p:cNvPicPr>
+            <a:picLocks noChangeAspect="1"/>
+          </p:cNvPicPr>
+          <p:nvPr/>
+        </p:nvPicPr>
+        <p:blipFill>
+          <a:blip r:embed="rId3"/>
+          <a:stretch>
+            <a:fillRect/>
+          </a:stretch>
+        </p:blipFill>
+        <p:spPr>
+          <a:xfrm>
+            <a:off x="4982459" y="493775"/>
+            <a:ext cx="1814802" cy="2009047"/>
+          </a:xfrm>
+          <a:prstGeom prst="rect">
+            <a:avLst/>
+          </a:prstGeom>
+        </p:spPr>
+      </p:pic>
+      <p:pic>
+        <p:nvPicPr>
+          <p:cNvPr id="9" name="Picture 8">
+            <a:extLst>
+              <a:ext uri="{FF2B5EF4-FFF2-40B4-BE49-F238E27FC236}">
+                <a16:creationId xmlns:a16="http://schemas.microsoft.com/office/drawing/2014/main" id="{B2B4A9AE-12A9-4C2A-99B7-C11CCBE0C327}"/>
+              </a:ext>
+            </a:extLst>
+          </p:cNvPr>
+          <p:cNvPicPr>
+            <a:picLocks noChangeAspect="1"/>
+          </p:cNvPicPr>
+          <p:nvPr/>
+        </p:nvPicPr>
+        <p:blipFill>
+          <a:blip r:embed="rId4"/>
+          <a:stretch>
+            <a:fillRect/>
+          </a:stretch>
+        </p:blipFill>
+        <p:spPr>
+          <a:xfrm>
+            <a:off x="6797261" y="493775"/>
+            <a:ext cx="1814801" cy="2078772"/>
+          </a:xfrm>
+          <a:prstGeom prst="rect">
+            <a:avLst/>
+          </a:prstGeom>
+        </p:spPr>
+      </p:pic>
+      <p:pic>
+        <p:nvPicPr>
+          <p:cNvPr id="11" name="Picture 10">
+            <a:extLst>
+              <a:ext uri="{FF2B5EF4-FFF2-40B4-BE49-F238E27FC236}">
+                <a16:creationId xmlns:a16="http://schemas.microsoft.com/office/drawing/2014/main" id="{B0366E74-D5B5-4E4B-A4E8-DEA1C054C166}"/>
+              </a:ext>
+            </a:extLst>
+          </p:cNvPr>
+          <p:cNvPicPr>
+            <a:picLocks noChangeAspect="1"/>
+          </p:cNvPicPr>
+          <p:nvPr/>
+        </p:nvPicPr>
+        <p:blipFill>
+          <a:blip r:embed="rId5"/>
+          <a:stretch>
+            <a:fillRect/>
+          </a:stretch>
+        </p:blipFill>
+        <p:spPr>
+          <a:xfrm>
+            <a:off x="3432152" y="2450337"/>
+            <a:ext cx="1662344" cy="1643292"/>
+          </a:xfrm>
+          <a:prstGeom prst="rect">
+            <a:avLst/>
+          </a:prstGeom>
+        </p:spPr>
+      </p:pic>
+      <p:pic>
+        <p:nvPicPr>
+          <p:cNvPr id="13" name="Picture 12">
+            <a:extLst>
+              <a:ext uri="{FF2B5EF4-FFF2-40B4-BE49-F238E27FC236}">
+                <a16:creationId xmlns:a16="http://schemas.microsoft.com/office/drawing/2014/main" id="{A3CAD8A4-C582-4E20-A883-CABE62814554}"/>
+              </a:ext>
+            </a:extLst>
+          </p:cNvPr>
+          <p:cNvPicPr>
+            <a:picLocks noChangeAspect="1"/>
+          </p:cNvPicPr>
+          <p:nvPr/>
+        </p:nvPicPr>
+        <p:blipFill>
+          <a:blip r:embed="rId6"/>
+          <a:stretch>
+            <a:fillRect/>
+          </a:stretch>
+        </p:blipFill>
+        <p:spPr>
+          <a:xfrm>
+            <a:off x="5094496" y="2358530"/>
+            <a:ext cx="1814802" cy="2140940"/>
+          </a:xfrm>
+          <a:prstGeom prst="rect">
+            <a:avLst/>
+          </a:prstGeom>
+        </p:spPr>
+      </p:pic>
+      <p:pic>
+        <p:nvPicPr>
+          <p:cNvPr id="15" name="Picture 14">
+            <a:extLst>
+              <a:ext uri="{FF2B5EF4-FFF2-40B4-BE49-F238E27FC236}">
+                <a16:creationId xmlns:a16="http://schemas.microsoft.com/office/drawing/2014/main" id="{CF8B41D0-1C9C-405E-B416-E862AE3A150E}"/>
+              </a:ext>
+            </a:extLst>
+          </p:cNvPr>
+          <p:cNvPicPr>
+            <a:picLocks noChangeAspect="1"/>
+          </p:cNvPicPr>
+          <p:nvPr/>
+        </p:nvPicPr>
+        <p:blipFill>
+          <a:blip r:embed="rId7"/>
+          <a:stretch>
+            <a:fillRect/>
+          </a:stretch>
+        </p:blipFill>
+        <p:spPr>
+          <a:xfrm>
+            <a:off x="6898255" y="2557341"/>
+            <a:ext cx="1605186" cy="1743318"/>
+          </a:xfrm>
+          <a:prstGeom prst="rect">
+            <a:avLst/>
+          </a:prstGeom>
+        </p:spPr>
+      </p:pic>
+      <p:pic>
+        <p:nvPicPr>
+          <p:cNvPr id="17" name="Picture 16">
+            <a:extLst>
+              <a:ext uri="{FF2B5EF4-FFF2-40B4-BE49-F238E27FC236}">
+                <a16:creationId xmlns:a16="http://schemas.microsoft.com/office/drawing/2014/main" id="{82339998-663F-4EFA-BDA8-D2B966AA9695}"/>
+              </a:ext>
+            </a:extLst>
+          </p:cNvPr>
+          <p:cNvPicPr>
+            <a:picLocks noChangeAspect="1"/>
+          </p:cNvPicPr>
+          <p:nvPr/>
+        </p:nvPicPr>
+        <p:blipFill>
+          <a:blip r:embed="rId8"/>
+          <a:stretch>
+            <a:fillRect/>
+          </a:stretch>
+        </p:blipFill>
+        <p:spPr>
+          <a:xfrm>
+            <a:off x="3432152" y="4093629"/>
+            <a:ext cx="1814802" cy="1831350"/>
+          </a:xfrm>
+          <a:prstGeom prst="rect">
+            <a:avLst/>
+          </a:prstGeom>
+        </p:spPr>
+      </p:pic>
+      <p:pic>
+        <p:nvPicPr>
+          <p:cNvPr id="19" name="Picture 18">
+            <a:extLst>
+              <a:ext uri="{FF2B5EF4-FFF2-40B4-BE49-F238E27FC236}">
+                <a16:creationId xmlns:a16="http://schemas.microsoft.com/office/drawing/2014/main" id="{A708DC62-1457-49E2-8ED9-1E3D5DE5AAA5}"/>
+              </a:ext>
+            </a:extLst>
+          </p:cNvPr>
+          <p:cNvPicPr>
+            <a:picLocks noChangeAspect="1"/>
+          </p:cNvPicPr>
+          <p:nvPr/>
+        </p:nvPicPr>
+        <p:blipFill>
+          <a:blip r:embed="rId9"/>
+          <a:stretch>
+            <a:fillRect/>
+          </a:stretch>
+        </p:blipFill>
+        <p:spPr>
+          <a:xfrm>
+            <a:off x="5246954" y="4367577"/>
+            <a:ext cx="1790456" cy="1317606"/>
+          </a:xfrm>
+          <a:prstGeom prst="rect">
+            <a:avLst/>
+          </a:prstGeom>
+        </p:spPr>
+      </p:pic>
+      <p:pic>
+        <p:nvPicPr>
+          <p:cNvPr id="21" name="Picture 20">
+            <a:extLst>
+              <a:ext uri="{FF2B5EF4-FFF2-40B4-BE49-F238E27FC236}">
+                <a16:creationId xmlns:a16="http://schemas.microsoft.com/office/drawing/2014/main" id="{F7B00BB6-32FD-4654-97CB-769A16A48923}"/>
+              </a:ext>
+            </a:extLst>
+          </p:cNvPr>
+          <p:cNvPicPr>
+            <a:picLocks noChangeAspect="1"/>
+          </p:cNvPicPr>
+          <p:nvPr/>
+        </p:nvPicPr>
+        <p:blipFill>
+          <a:blip r:embed="rId10"/>
+          <a:stretch>
+            <a:fillRect/>
+          </a:stretch>
+        </p:blipFill>
+        <p:spPr>
+          <a:xfrm>
+            <a:off x="6912544" y="4283823"/>
+            <a:ext cx="1576607" cy="1633765"/>
+          </a:xfrm>
+          <a:prstGeom prst="rect">
+            <a:avLst/>
+          </a:prstGeom>
+        </p:spPr>
+      </p:pic>
+    </p:spTree>
+    <p:extLst>
+      <p:ext uri="{BB962C8B-B14F-4D97-AF65-F5344CB8AC3E}">
+        <p14:creationId xmlns:p14="http://schemas.microsoft.com/office/powerpoint/2010/main" val="46666549"/>
+      </p:ext>
+    </p:extLst>
+  </p:cSld>
+  <p:clrMapOvr>
+    <a:masterClrMapping/>
+  </p:clrMapOvr>
+</p:sld>
+</file>
+
+<file path=ppt/slides/slide3.xml><?xml version="1.0" encoding="utf-8"?>
+<p:sld xmlns:a="http://schemas.openxmlformats.org/drawingml/2006/main" xmlns:r="http://schemas.openxmlformats.org/officeDocument/2006/relationships" xmlns:p="http://schemas.openxmlformats.org/presentationml/2006/main">
+  <p:cSld>
+    <p:spTree>
+      <p:nvGrpSpPr>
+        <p:cNvPr id="1" name=""/>
+        <p:cNvGrpSpPr/>
+        <p:nvPr/>
+      </p:nvGrpSpPr>
+      <p:grpSpPr>
+        <a:xfrm>
+          <a:off x="0" y="0"/>
+          <a:ext cx="0" cy="0"/>
+          <a:chOff x="0" y="0"/>
+          <a:chExt cx="0" cy="0"/>
+        </a:xfrm>
+      </p:grpSpPr>
       <p:sp>
         <p:nvSpPr>
           <p:cNvPr id="7" name="TextBox 6">
@@ -4099,7 +4400,7 @@
 </p:sld>
 </file>
 
-<file path=ppt/slides/slide3.xml><?xml version="1.0" encoding="utf-8"?>
+<file path=ppt/slides/slide4.xml><?xml version="1.0" encoding="utf-8"?>
 <p:sld xmlns:a="http://schemas.openxmlformats.org/drawingml/2006/main" xmlns:r="http://schemas.openxmlformats.org/officeDocument/2006/relationships" xmlns:p="http://schemas.openxmlformats.org/presentationml/2006/main">
   <p:cSld>
     <p:spTree>
@@ -4383,7 +4684,7 @@
 </p:sld>
 </file>
 
-<file path=ppt/slides/slide4.xml><?xml version="1.0" encoding="utf-8"?>
+<file path=ppt/slides/slide5.xml><?xml version="1.0" encoding="utf-8"?>
 <p:sld xmlns:a="http://schemas.openxmlformats.org/drawingml/2006/main" xmlns:r="http://schemas.openxmlformats.org/officeDocument/2006/relationships" xmlns:p="http://schemas.openxmlformats.org/presentationml/2006/main">
   <p:cSld>
     <p:spTree>
@@ -4661,7 +4962,7 @@
 </p:sld>
 </file>
 
-<file path=ppt/slides/slide5.xml><?xml version="1.0" encoding="utf-8"?>
+<file path=ppt/slides/slide6.xml><?xml version="1.0" encoding="utf-8"?>
 <p:sld xmlns:a="http://schemas.openxmlformats.org/drawingml/2006/main" xmlns:r="http://schemas.openxmlformats.org/officeDocument/2006/relationships" xmlns:p="http://schemas.openxmlformats.org/presentationml/2006/main">
   <p:cSld>
     <p:bg>
